--- a/ClassRoomNotes/PPT/Terraform lab setup.pptx
+++ b/ClassRoomNotes/PPT/Terraform lab setup.pptx
@@ -8926,7 +8926,7 @@
           <a:p>
             <a:fld id="{49BD8F56-9E3F-4778-98EC-66536B5AFF68}" type="datetimeFigureOut">
               <a:rPr lang="en-IN" smtClean="0"/>
-              <a:t>13-06-2024</a:t>
+              <a:t>14-06-2024</a:t>
             </a:fld>
             <a:endParaRPr lang="en-IN"/>
           </a:p>
@@ -9133,7 +9133,7 @@
           <a:p>
             <a:fld id="{49BD8F56-9E3F-4778-98EC-66536B5AFF68}" type="datetimeFigureOut">
               <a:rPr lang="en-IN" smtClean="0"/>
-              <a:t>13-06-2024</a:t>
+              <a:t>14-06-2024</a:t>
             </a:fld>
             <a:endParaRPr lang="en-IN"/>
           </a:p>
@@ -9313,7 +9313,7 @@
           <a:p>
             <a:fld id="{49BD8F56-9E3F-4778-98EC-66536B5AFF68}" type="datetimeFigureOut">
               <a:rPr lang="en-IN" smtClean="0"/>
-              <a:t>13-06-2024</a:t>
+              <a:t>14-06-2024</a:t>
             </a:fld>
             <a:endParaRPr lang="en-IN"/>
           </a:p>
@@ -9518,7 +9518,7 @@
           <a:p>
             <a:fld id="{49BD8F56-9E3F-4778-98EC-66536B5AFF68}" type="datetimeFigureOut">
               <a:rPr lang="en-IN" smtClean="0"/>
-              <a:t>13-06-2024</a:t>
+              <a:t>14-06-2024</a:t>
             </a:fld>
             <a:endParaRPr lang="en-IN"/>
           </a:p>
@@ -18416,7 +18416,7 @@
           <a:p>
             <a:fld id="{49BD8F56-9E3F-4778-98EC-66536B5AFF68}" type="datetimeFigureOut">
               <a:rPr lang="en-IN" smtClean="0"/>
-              <a:t>13-06-2024</a:t>
+              <a:t>14-06-2024</a:t>
             </a:fld>
             <a:endParaRPr lang="en-IN"/>
           </a:p>
@@ -18690,7 +18690,7 @@
           <a:p>
             <a:fld id="{49BD8F56-9E3F-4778-98EC-66536B5AFF68}" type="datetimeFigureOut">
               <a:rPr lang="en-IN" smtClean="0"/>
-              <a:t>13-06-2024</a:t>
+              <a:t>14-06-2024</a:t>
             </a:fld>
             <a:endParaRPr lang="en-IN"/>
           </a:p>
@@ -19088,7 +19088,7 @@
           <a:p>
             <a:fld id="{49BD8F56-9E3F-4778-98EC-66536B5AFF68}" type="datetimeFigureOut">
               <a:rPr lang="en-IN" smtClean="0"/>
-              <a:t>13-06-2024</a:t>
+              <a:t>14-06-2024</a:t>
             </a:fld>
             <a:endParaRPr lang="en-IN"/>
           </a:p>
@@ -19206,7 +19206,7 @@
           <a:p>
             <a:fld id="{49BD8F56-9E3F-4778-98EC-66536B5AFF68}" type="datetimeFigureOut">
               <a:rPr lang="en-IN" smtClean="0"/>
-              <a:t>13-06-2024</a:t>
+              <a:t>14-06-2024</a:t>
             </a:fld>
             <a:endParaRPr lang="en-IN"/>
           </a:p>
@@ -19301,7 +19301,7 @@
           <a:p>
             <a:fld id="{49BD8F56-9E3F-4778-98EC-66536B5AFF68}" type="datetimeFigureOut">
               <a:rPr lang="en-IN" smtClean="0"/>
-              <a:t>13-06-2024</a:t>
+              <a:t>14-06-2024</a:t>
             </a:fld>
             <a:endParaRPr lang="en-IN"/>
           </a:p>
@@ -19591,7 +19591,7 @@
           <a:p>
             <a:fld id="{49BD8F56-9E3F-4778-98EC-66536B5AFF68}" type="datetimeFigureOut">
               <a:rPr lang="en-IN" smtClean="0"/>
-              <a:t>13-06-2024</a:t>
+              <a:t>14-06-2024</a:t>
             </a:fld>
             <a:endParaRPr lang="en-IN"/>
           </a:p>
@@ -19871,7 +19871,7 @@
           <a:p>
             <a:fld id="{49BD8F56-9E3F-4778-98EC-66536B5AFF68}" type="datetimeFigureOut">
               <a:rPr lang="en-IN" smtClean="0"/>
-              <a:t>13-06-2024</a:t>
+              <a:t>14-06-2024</a:t>
             </a:fld>
             <a:endParaRPr lang="en-IN"/>
           </a:p>
@@ -20121,7 +20121,7 @@
           <a:p>
             <a:fld id="{49BD8F56-9E3F-4778-98EC-66536B5AFF68}" type="datetimeFigureOut">
               <a:rPr lang="en-IN" smtClean="0"/>
-              <a:t>13-06-2024</a:t>
+              <a:t>14-06-2024</a:t>
             </a:fld>
             <a:endParaRPr lang="en-IN"/>
           </a:p>
@@ -21199,8 +21199,13 @@
             </a:pPr>
             <a:r>
               <a:rPr lang="en-IN" dirty="0"/>
-              <a:t>C++&gt; PROGRAMNAME.JAVA</a:t>
+              <a:t>C++&gt; </a:t>
             </a:r>
+            <a:r>
+              <a:rPr lang="en-IN"/>
+              <a:t>PROGRAMNAME.CPP</a:t>
+            </a:r>
+            <a:endParaRPr lang="en-IN" dirty="0"/>
           </a:p>
           <a:p>
             <a:pPr marL="0" indent="0">
